--- a/Modulo_4/Modulo 4 T1 Redes neuronales.pptx
+++ b/Modulo_4/Modulo 4 T1 Redes neuronales.pptx
@@ -253,7 +253,7 @@
           <a:p>
             <a:fld id="{BB5EBF19-6ACC-4939-BE97-54099D6FD2C5}" type="datetimeFigureOut">
               <a:rPr lang="en-US" smtClean="0"/>
-              <a:t>2/24/2020</a:t>
+              <a:t>2/23/2020</a:t>
             </a:fld>
             <a:endParaRPr lang="en-US"/>
           </a:p>
@@ -423,7 +423,7 @@
           <a:p>
             <a:fld id="{BB5EBF19-6ACC-4939-BE97-54099D6FD2C5}" type="datetimeFigureOut">
               <a:rPr lang="en-US" smtClean="0"/>
-              <a:t>2/24/2020</a:t>
+              <a:t>2/23/2020</a:t>
             </a:fld>
             <a:endParaRPr lang="en-US"/>
           </a:p>
@@ -603,7 +603,7 @@
           <a:p>
             <a:fld id="{BB5EBF19-6ACC-4939-BE97-54099D6FD2C5}" type="datetimeFigureOut">
               <a:rPr lang="en-US" smtClean="0"/>
-              <a:t>2/24/2020</a:t>
+              <a:t>2/23/2020</a:t>
             </a:fld>
             <a:endParaRPr lang="en-US"/>
           </a:p>
@@ -773,7 +773,7 @@
           <a:p>
             <a:fld id="{BB5EBF19-6ACC-4939-BE97-54099D6FD2C5}" type="datetimeFigureOut">
               <a:rPr lang="en-US" smtClean="0"/>
-              <a:t>2/24/2020</a:t>
+              <a:t>2/23/2020</a:t>
             </a:fld>
             <a:endParaRPr lang="en-US"/>
           </a:p>
@@ -1019,7 +1019,7 @@
           <a:p>
             <a:fld id="{BB5EBF19-6ACC-4939-BE97-54099D6FD2C5}" type="datetimeFigureOut">
               <a:rPr lang="en-US" smtClean="0"/>
-              <a:t>2/24/2020</a:t>
+              <a:t>2/23/2020</a:t>
             </a:fld>
             <a:endParaRPr lang="en-US"/>
           </a:p>
@@ -1251,7 +1251,7 @@
           <a:p>
             <a:fld id="{BB5EBF19-6ACC-4939-BE97-54099D6FD2C5}" type="datetimeFigureOut">
               <a:rPr lang="en-US" smtClean="0"/>
-              <a:t>2/24/2020</a:t>
+              <a:t>2/23/2020</a:t>
             </a:fld>
             <a:endParaRPr lang="en-US"/>
           </a:p>
@@ -1618,7 +1618,7 @@
           <a:p>
             <a:fld id="{BB5EBF19-6ACC-4939-BE97-54099D6FD2C5}" type="datetimeFigureOut">
               <a:rPr lang="en-US" smtClean="0"/>
-              <a:t>2/24/2020</a:t>
+              <a:t>2/23/2020</a:t>
             </a:fld>
             <a:endParaRPr lang="en-US"/>
           </a:p>
@@ -1736,7 +1736,7 @@
           <a:p>
             <a:fld id="{BB5EBF19-6ACC-4939-BE97-54099D6FD2C5}" type="datetimeFigureOut">
               <a:rPr lang="en-US" smtClean="0"/>
-              <a:t>2/24/2020</a:t>
+              <a:t>2/23/2020</a:t>
             </a:fld>
             <a:endParaRPr lang="en-US"/>
           </a:p>
@@ -1831,7 +1831,7 @@
           <a:p>
             <a:fld id="{BB5EBF19-6ACC-4939-BE97-54099D6FD2C5}" type="datetimeFigureOut">
               <a:rPr lang="en-US" smtClean="0"/>
-              <a:t>2/24/2020</a:t>
+              <a:t>2/23/2020</a:t>
             </a:fld>
             <a:endParaRPr lang="en-US"/>
           </a:p>
@@ -2108,7 +2108,7 @@
           <a:p>
             <a:fld id="{BB5EBF19-6ACC-4939-BE97-54099D6FD2C5}" type="datetimeFigureOut">
               <a:rPr lang="en-US" smtClean="0"/>
-              <a:t>2/24/2020</a:t>
+              <a:t>2/23/2020</a:t>
             </a:fld>
             <a:endParaRPr lang="en-US"/>
           </a:p>
@@ -2361,7 +2361,7 @@
           <a:p>
             <a:fld id="{BB5EBF19-6ACC-4939-BE97-54099D6FD2C5}" type="datetimeFigureOut">
               <a:rPr lang="en-US" smtClean="0"/>
-              <a:t>2/24/2020</a:t>
+              <a:t>2/23/2020</a:t>
             </a:fld>
             <a:endParaRPr lang="en-US"/>
           </a:p>
@@ -2574,7 +2574,7 @@
           <a:p>
             <a:fld id="{BB5EBF19-6ACC-4939-BE97-54099D6FD2C5}" type="datetimeFigureOut">
               <a:rPr lang="en-US" smtClean="0"/>
-              <a:t>2/24/2020</a:t>
+              <a:t>2/23/2020</a:t>
             </a:fld>
             <a:endParaRPr lang="en-US"/>
           </a:p>
@@ -2979,8 +2979,8 @@
           <a:chExt cx="0" cy="0"/>
         </a:xfrm>
       </p:grpSpPr>
-      <mc:AlternateContent xmlns:mc="http://schemas.openxmlformats.org/markup-compatibility/2006">
-        <mc:Choice xmlns:a14="http://schemas.microsoft.com/office/drawing/2010/main" Requires="a14">
+      <mc:AlternateContent xmlns:mc="http://schemas.openxmlformats.org/markup-compatibility/2006" xmlns:a14="http://schemas.microsoft.com/office/drawing/2010/main">
+        <mc:Choice Requires="a14">
           <p:sp>
             <p:nvSpPr>
               <p:cNvPr id="6" name="Rectángulo 5"/>
@@ -3047,7 +3047,7 @@
                                 <m:sSub>
                                   <m:sSubPr>
                                     <m:ctrlPr>
-                                      <a:rPr lang="es-ES" sz="3200" b="0" i="0" smtClean="0">
+                                      <a:rPr lang="es-ES" sz="3200" b="0" i="1" smtClean="0">
                                         <a:latin typeface="Cambria Math" panose="02040503050406030204" pitchFamily="18" charset="0"/>
                                       </a:rPr>
                                     </m:ctrlPr>
@@ -3077,7 +3077,7 @@
                                 <m:sSub>
                                   <m:sSubPr>
                                     <m:ctrlPr>
-                                      <a:rPr lang="es-ES" sz="3200" b="0" i="0" smtClean="0">
+                                      <a:rPr lang="es-ES" sz="3200" b="0" i="1" smtClean="0">
                                         <a:latin typeface="Cambria Math" panose="02040503050406030204" pitchFamily="18" charset="0"/>
                                       </a:rPr>
                                     </m:ctrlPr>
@@ -3121,7 +3121,7 @@
                                 <m:sSub>
                                   <m:sSubPr>
                                     <m:ctrlPr>
-                                      <a:rPr lang="es-ES" sz="3200" b="0" i="0" smtClean="0">
+                                      <a:rPr lang="es-ES" sz="3200" b="0" i="1" smtClean="0">
                                         <a:latin typeface="Cambria Math" panose="02040503050406030204" pitchFamily="18" charset="0"/>
                                       </a:rPr>
                                     </m:ctrlPr>
@@ -3151,7 +3151,7 @@
                                 <m:sSub>
                                   <m:sSubPr>
                                     <m:ctrlPr>
-                                      <a:rPr lang="es-ES" sz="3200" b="0" i="0" smtClean="0">
+                                      <a:rPr lang="es-ES" sz="3200" b="0" i="1" smtClean="0">
                                         <a:latin typeface="Cambria Math" panose="02040503050406030204" pitchFamily="18" charset="0"/>
                                       </a:rPr>
                                     </m:ctrlPr>
@@ -3225,7 +3225,7 @@
             </p:txBody>
           </p:sp>
         </mc:Choice>
-        <mc:Fallback>
+        <mc:Fallback xmlns="">
           <p:sp>
             <p:nvSpPr>
               <p:cNvPr id="6" name="Rectángulo 5"/>
@@ -3264,8 +3264,8 @@
           </p:sp>
         </mc:Fallback>
       </mc:AlternateContent>
-      <mc:AlternateContent xmlns:mc="http://schemas.openxmlformats.org/markup-compatibility/2006">
-        <mc:Choice xmlns:a14="http://schemas.microsoft.com/office/drawing/2010/main" Requires="a14">
+      <mc:AlternateContent xmlns:mc="http://schemas.openxmlformats.org/markup-compatibility/2006" xmlns:a14="http://schemas.microsoft.com/office/drawing/2010/main">
+        <mc:Choice Requires="a14">
           <p:sp>
             <p:nvSpPr>
               <p:cNvPr id="7" name="Rectángulo 6"/>
@@ -3418,7 +3418,7 @@
             </p:txBody>
           </p:sp>
         </mc:Choice>
-        <mc:Fallback>
+        <mc:Fallback xmlns="">
           <p:sp>
             <p:nvSpPr>
               <p:cNvPr id="7" name="Rectángulo 6"/>
@@ -4087,13 +4087,7 @@
               <a:rPr lang="es-ES">
                 <a:hlinkClick r:id="rId9"/>
               </a:rPr>
-              <a:t>https</a:t>
-            </a:r>
-            <a:r>
-              <a:rPr lang="es-ES">
-                <a:hlinkClick r:id="rId9"/>
-              </a:rPr>
-              <a:t>://</a:t>
+              <a:t>https://</a:t>
             </a:r>
             <a:r>
               <a:rPr lang="es-ES" smtClean="0">
@@ -4776,29 +4770,6 @@
           </p:sp>
         </mc:Fallback>
       </mc:AlternateContent>
-      <p:pic>
-        <p:nvPicPr>
-          <p:cNvPr id="8" name="Imagen 7"/>
-          <p:cNvPicPr>
-            <a:picLocks noChangeAspect="1"/>
-          </p:cNvPicPr>
-          <p:nvPr/>
-        </p:nvPicPr>
-        <p:blipFill rotWithShape="1">
-          <a:blip r:embed="rId4"/>
-          <a:srcRect l="32623" t="23088" r="27518" b="16278"/>
-          <a:stretch/>
-        </p:blipFill>
-        <p:spPr>
-          <a:xfrm>
-            <a:off x="6755641" y="916333"/>
-            <a:ext cx="5186149" cy="4435523"/>
-          </a:xfrm>
-          <a:prstGeom prst="rect">
-            <a:avLst/>
-          </a:prstGeom>
-        </p:spPr>
-      </p:pic>
       <mc:AlternateContent xmlns:mc="http://schemas.openxmlformats.org/markup-compatibility/2006" xmlns:a14="http://schemas.microsoft.com/office/drawing/2010/main">
         <mc:Choice Requires="a14">
           <p:sp>
@@ -5050,6 +5021,29 @@
           </p:sp>
         </mc:Fallback>
       </mc:AlternateContent>
+      <p:pic>
+        <p:nvPicPr>
+          <p:cNvPr id="10" name="Imagen 9"/>
+          <p:cNvPicPr>
+            <a:picLocks noChangeAspect="1"/>
+          </p:cNvPicPr>
+          <p:nvPr/>
+        </p:nvPicPr>
+        <p:blipFill rotWithShape="1">
+          <a:blip r:embed="rId7"/>
+          <a:srcRect l="32623" t="23088" r="27518" b="16278"/>
+          <a:stretch/>
+        </p:blipFill>
+        <p:spPr>
+          <a:xfrm>
+            <a:off x="6755641" y="916333"/>
+            <a:ext cx="5186149" cy="4435523"/>
+          </a:xfrm>
+          <a:prstGeom prst="rect">
+            <a:avLst/>
+          </a:prstGeom>
+        </p:spPr>
+      </p:pic>
     </p:spTree>
     <p:extLst>
       <p:ext uri="{BB962C8B-B14F-4D97-AF65-F5344CB8AC3E}">
@@ -10134,8 +10128,8 @@
           </a:p>
         </p:txBody>
       </p:sp>
-      <mc:AlternateContent xmlns:mc="http://schemas.openxmlformats.org/markup-compatibility/2006">
-        <mc:Choice xmlns:a14="http://schemas.microsoft.com/office/drawing/2010/main" Requires="a14">
+      <mc:AlternateContent xmlns:mc="http://schemas.openxmlformats.org/markup-compatibility/2006" xmlns:a14="http://schemas.microsoft.com/office/drawing/2010/main">
+        <mc:Choice Requires="a14">
           <p:sp>
             <p:nvSpPr>
               <p:cNvPr id="16" name="CuadroTexto 15"/>
@@ -10158,6 +10152,7 @@
               </a:bodyPr>
               <a:lstStyle/>
               <a:p>
+                <a:pPr/>
                 <a14:m>
                   <m:oMathPara xmlns:m="http://schemas.openxmlformats.org/officeDocument/2006/math">
                     <m:oMathParaPr>
@@ -10260,7 +10255,7 @@
             </p:txBody>
           </p:sp>
         </mc:Choice>
-        <mc:Fallback>
+        <mc:Fallback xmlns="">
           <p:sp>
             <p:nvSpPr>
               <p:cNvPr id="16" name="CuadroTexto 15"/>
@@ -10299,8 +10294,8 @@
           </p:sp>
         </mc:Fallback>
       </mc:AlternateContent>
-      <mc:AlternateContent xmlns:mc="http://schemas.openxmlformats.org/markup-compatibility/2006">
-        <mc:Choice xmlns:a14="http://schemas.microsoft.com/office/drawing/2010/main" Requires="a14">
+      <mc:AlternateContent xmlns:mc="http://schemas.openxmlformats.org/markup-compatibility/2006" xmlns:a14="http://schemas.microsoft.com/office/drawing/2010/main">
+        <mc:Choice Requires="a14">
           <p:sp>
             <p:nvSpPr>
               <p:cNvPr id="17" name="CuadroTexto 16"/>
@@ -10323,6 +10318,7 @@
               </a:bodyPr>
               <a:lstStyle/>
               <a:p>
+                <a:pPr/>
                 <a14:m>
                   <m:oMathPara xmlns:m="http://schemas.openxmlformats.org/officeDocument/2006/math">
                     <m:oMathParaPr>
@@ -10418,7 +10414,7 @@
             </p:txBody>
           </p:sp>
         </mc:Choice>
-        <mc:Fallback>
+        <mc:Fallback xmlns="">
           <p:sp>
             <p:nvSpPr>
               <p:cNvPr id="17" name="CuadroTexto 16"/>
@@ -10457,8 +10453,8 @@
           </p:sp>
         </mc:Fallback>
       </mc:AlternateContent>
-      <mc:AlternateContent xmlns:mc="http://schemas.openxmlformats.org/markup-compatibility/2006">
-        <mc:Choice xmlns:a14="http://schemas.microsoft.com/office/drawing/2010/main" Requires="a14">
+      <mc:AlternateContent xmlns:mc="http://schemas.openxmlformats.org/markup-compatibility/2006" xmlns:a14="http://schemas.microsoft.com/office/drawing/2010/main">
+        <mc:Choice Requires="a14">
           <p:sp>
             <p:nvSpPr>
               <p:cNvPr id="18" name="CuadroTexto 17"/>
@@ -10481,6 +10477,7 @@
               </a:bodyPr>
               <a:lstStyle/>
               <a:p>
+                <a:pPr/>
                 <a14:m>
                   <m:oMathPara xmlns:m="http://schemas.openxmlformats.org/officeDocument/2006/math">
                     <m:oMathParaPr>
@@ -10542,7 +10539,7 @@
             </p:txBody>
           </p:sp>
         </mc:Choice>
-        <mc:Fallback>
+        <mc:Fallback xmlns="">
           <p:sp>
             <p:nvSpPr>
               <p:cNvPr id="18" name="CuadroTexto 17"/>
@@ -10642,8 +10639,8 @@
           </a:p>
         </p:txBody>
       </p:sp>
-      <mc:AlternateContent xmlns:mc="http://schemas.openxmlformats.org/markup-compatibility/2006">
-        <mc:Choice xmlns:a14="http://schemas.microsoft.com/office/drawing/2010/main" Requires="a14">
+      <mc:AlternateContent xmlns:mc="http://schemas.openxmlformats.org/markup-compatibility/2006" xmlns:a14="http://schemas.microsoft.com/office/drawing/2010/main">
+        <mc:Choice Requires="a14">
           <p:sp>
             <p:nvSpPr>
               <p:cNvPr id="20" name="Rectángulo 19"/>
@@ -11041,19 +11038,7 @@
                       <a:rPr lang="es-ES" sz="2400" b="0" i="1" smtClean="0">
                         <a:latin typeface="Cambria Math" panose="02040503050406030204" pitchFamily="18" charset="0"/>
                       </a:rPr>
-                      <m:t> </m:t>
-                    </m:r>
-                    <m:r>
-                      <a:rPr lang="es-ES" sz="2400" b="0" i="1" smtClean="0">
-                        <a:latin typeface="Cambria Math" panose="02040503050406030204" pitchFamily="18" charset="0"/>
-                      </a:rPr>
-                      <m:t>⇒</m:t>
-                    </m:r>
-                    <m:r>
-                      <a:rPr lang="es-ES" sz="2400" b="0" i="1" smtClean="0">
-                        <a:latin typeface="Cambria Math" panose="02040503050406030204" pitchFamily="18" charset="0"/>
-                      </a:rPr>
-                      <m:t> </m:t>
+                      <m:t> ⇒ </m:t>
                     </m:r>
                     <m:d>
                       <m:dPr>
@@ -11178,7 +11163,7 @@
             </p:txBody>
           </p:sp>
         </mc:Choice>
-        <mc:Fallback>
+        <mc:Fallback xmlns="">
           <p:sp>
             <p:nvSpPr>
               <p:cNvPr id="20" name="Rectángulo 19"/>
@@ -11254,8 +11239,8 @@
           <a:chExt cx="0" cy="0"/>
         </a:xfrm>
       </p:grpSpPr>
-      <mc:AlternateContent xmlns:mc="http://schemas.openxmlformats.org/markup-compatibility/2006">
-        <mc:Choice xmlns:a14="http://schemas.microsoft.com/office/drawing/2010/main" Requires="a14">
+      <mc:AlternateContent xmlns:mc="http://schemas.openxmlformats.org/markup-compatibility/2006" xmlns:a14="http://schemas.microsoft.com/office/drawing/2010/main">
+        <mc:Choice Requires="a14">
           <p:sp>
             <p:nvSpPr>
               <p:cNvPr id="4" name="Rectángulo 3"/>
@@ -11596,7 +11581,7 @@
             </p:txBody>
           </p:sp>
         </mc:Choice>
-        <mc:Fallback>
+        <mc:Fallback xmlns="">
           <p:sp>
             <p:nvSpPr>
               <p:cNvPr id="4" name="Rectángulo 3"/>
@@ -11659,8 +11644,8 @@
           </a:prstGeom>
         </p:spPr>
       </p:pic>
-      <mc:AlternateContent xmlns:mc="http://schemas.openxmlformats.org/markup-compatibility/2006">
-        <mc:Choice xmlns:a14="http://schemas.microsoft.com/office/drawing/2010/main" Requires="a14">
+      <mc:AlternateContent xmlns:mc="http://schemas.openxmlformats.org/markup-compatibility/2006" xmlns:a14="http://schemas.microsoft.com/office/drawing/2010/main">
+        <mc:Choice Requires="a14">
           <p:sp>
             <p:nvSpPr>
               <p:cNvPr id="6" name="CuadroTexto 5"/>
@@ -11683,6 +11668,7 @@
               </a:bodyPr>
               <a:lstStyle/>
               <a:p>
+                <a:pPr/>
                 <a14:m>
                   <m:oMathPara xmlns:m="http://schemas.openxmlformats.org/officeDocument/2006/math">
                     <m:oMathParaPr>
@@ -11811,7 +11797,13 @@
                                         <a:rPr lang="es-ES" sz="2800" b="0" i="1" smtClean="0">
                                           <a:latin typeface="Cambria Math" panose="02040503050406030204" pitchFamily="18" charset="0"/>
                                         </a:rPr>
-                                        <m:t>1.46</m:t>
+                                        <m:t>1</m:t>
+                                      </m:r>
+                                      <m:r>
+                                        <a:rPr lang="es-ES" sz="2800" b="0" i="1" smtClean="0">
+                                          <a:latin typeface="Cambria Math" panose="02040503050406030204" pitchFamily="18" charset="0"/>
+                                        </a:rPr>
+                                        <m:t>.46</m:t>
                                       </m:r>
                                     </m:e>
                                   </m:mr>
@@ -12006,7 +11998,7 @@
             </p:txBody>
           </p:sp>
         </mc:Choice>
-        <mc:Fallback>
+        <mc:Fallback xmlns="">
           <p:sp>
             <p:nvSpPr>
               <p:cNvPr id="6" name="CuadroTexto 5"/>
@@ -12045,8 +12037,8 @@
           </p:sp>
         </mc:Fallback>
       </mc:AlternateContent>
-      <mc:AlternateContent xmlns:mc="http://schemas.openxmlformats.org/markup-compatibility/2006">
-        <mc:Choice xmlns:a14="http://schemas.microsoft.com/office/drawing/2010/main" Requires="a14">
+      <mc:AlternateContent xmlns:mc="http://schemas.openxmlformats.org/markup-compatibility/2006" xmlns:a14="http://schemas.microsoft.com/office/drawing/2010/main">
+        <mc:Choice Requires="a14">
           <p:sp>
             <p:nvSpPr>
               <p:cNvPr id="8" name="CuadroTexto 7"/>
@@ -12069,6 +12061,7 @@
               </a:bodyPr>
               <a:lstStyle/>
               <a:p>
+                <a:pPr/>
                 <a14:m>
                   <m:oMathPara xmlns:m="http://schemas.openxmlformats.org/officeDocument/2006/math">
                     <m:oMathParaPr>
@@ -12224,7 +12217,7 @@
             </p:txBody>
           </p:sp>
         </mc:Choice>
-        <mc:Fallback>
+        <mc:Fallback xmlns="">
           <p:sp>
             <p:nvSpPr>
               <p:cNvPr id="8" name="CuadroTexto 7"/>
@@ -12323,8 +12316,8 @@
           </a:prstGeom>
         </p:spPr>
       </p:pic>
-      <mc:AlternateContent xmlns:mc="http://schemas.openxmlformats.org/markup-compatibility/2006">
-        <mc:Choice xmlns:a14="http://schemas.microsoft.com/office/drawing/2010/main" Requires="a14">
+      <mc:AlternateContent xmlns:mc="http://schemas.openxmlformats.org/markup-compatibility/2006" xmlns:a14="http://schemas.microsoft.com/office/drawing/2010/main">
+        <mc:Choice Requires="a14">
           <p:sp>
             <p:nvSpPr>
               <p:cNvPr id="3" name="CuadroTexto 2"/>
@@ -12347,6 +12340,7 @@
               </a:bodyPr>
               <a:lstStyle/>
               <a:p>
+                <a:pPr/>
                 <a14:m>
                   <m:oMathPara xmlns:m="http://schemas.openxmlformats.org/officeDocument/2006/math">
                     <m:oMathParaPr>
@@ -12551,7 +12545,7 @@
             </p:txBody>
           </p:sp>
         </mc:Choice>
-        <mc:Fallback>
+        <mc:Fallback xmlns="">
           <p:sp>
             <p:nvSpPr>
               <p:cNvPr id="3" name="CuadroTexto 2"/>
@@ -12636,8 +12630,8 @@
           </a:p>
         </p:txBody>
       </p:sp>
-      <mc:AlternateContent xmlns:mc="http://schemas.openxmlformats.org/markup-compatibility/2006">
-        <mc:Choice xmlns:a14="http://schemas.microsoft.com/office/drawing/2010/main" Requires="a14">
+      <mc:AlternateContent xmlns:mc="http://schemas.openxmlformats.org/markup-compatibility/2006" xmlns:a14="http://schemas.microsoft.com/office/drawing/2010/main">
+        <mc:Choice Requires="a14">
           <p:sp>
             <p:nvSpPr>
               <p:cNvPr id="5" name="Rectángulo 4"/>
@@ -12806,7 +12800,7 @@
             </p:txBody>
           </p:sp>
         </mc:Choice>
-        <mc:Fallback>
+        <mc:Fallback xmlns="">
           <p:sp>
             <p:nvSpPr>
               <p:cNvPr id="5" name="Rectángulo 4"/>
@@ -12905,8 +12899,8 @@
           </a:p>
         </p:txBody>
       </p:sp>
-      <mc:AlternateContent xmlns:mc="http://schemas.openxmlformats.org/markup-compatibility/2006">
-        <mc:Choice xmlns:a14="http://schemas.microsoft.com/office/drawing/2010/main" Requires="a14">
+      <mc:AlternateContent xmlns:mc="http://schemas.openxmlformats.org/markup-compatibility/2006" xmlns:a14="http://schemas.microsoft.com/office/drawing/2010/main">
+        <mc:Choice Requires="a14">
           <p:sp>
             <p:nvSpPr>
               <p:cNvPr id="8" name="CuadroTexto 7"/>
@@ -12929,6 +12923,7 @@
               </a:bodyPr>
               <a:lstStyle/>
               <a:p>
+                <a:pPr/>
                 <a14:m>
                   <m:oMathPara xmlns:m="http://schemas.openxmlformats.org/officeDocument/2006/math">
                     <m:oMathParaPr>
@@ -13011,7 +13006,13 @@
                                                 <a:rPr lang="es-ES" sz="2400" b="0" i="1" smtClean="0">
                                                   <a:latin typeface="Cambria Math" panose="02040503050406030204" pitchFamily="18" charset="0"/>
                                                 </a:rPr>
-                                                <m:t>.731−0</m:t>
+                                                <m:t>.</m:t>
+                                              </m:r>
+                                              <m:r>
+                                                <a:rPr lang="es-ES" sz="2400" b="0" i="1" smtClean="0">
+                                                  <a:latin typeface="Cambria Math" panose="02040503050406030204" pitchFamily="18" charset="0"/>
+                                                </a:rPr>
+                                                <m:t>731−0</m:t>
                                               </m:r>
                                             </m:e>
                                           </m:d>
@@ -13148,19 +13149,7 @@
                                                 <a:rPr lang="es-ES" sz="2400" i="1">
                                                   <a:latin typeface="Cambria Math" panose="02040503050406030204" pitchFamily="18" charset="0"/>
                                                 </a:rPr>
-                                                <m:t>811</m:t>
-                                              </m:r>
-                                              <m:r>
-                                                <a:rPr lang="es-ES" sz="2400" i="1">
-                                                  <a:latin typeface="Cambria Math" panose="02040503050406030204" pitchFamily="18" charset="0"/>
-                                                </a:rPr>
-                                                <m:t>−</m:t>
-                                              </m:r>
-                                              <m:r>
-                                                <a:rPr lang="es-ES" sz="2400" i="1">
-                                                  <a:latin typeface="Cambria Math" panose="02040503050406030204" pitchFamily="18" charset="0"/>
-                                                </a:rPr>
-                                                <m:t>1</m:t>
+                                                <m:t>811−1</m:t>
                                               </m:r>
                                             </m:e>
                                           </m:d>
@@ -13319,7 +13308,13 @@
                                         <a:rPr lang="es-ES" sz="2400" b="0" i="1" smtClean="0">
                                           <a:latin typeface="Cambria Math" panose="02040503050406030204" pitchFamily="18" charset="0"/>
                                         </a:rPr>
-                                        <m:t>.534</m:t>
+                                        <m:t>.</m:t>
+                                      </m:r>
+                                      <m:r>
+                                        <a:rPr lang="es-ES" sz="2400" b="0" i="1" smtClean="0">
+                                          <a:latin typeface="Cambria Math" panose="02040503050406030204" pitchFamily="18" charset="0"/>
+                                        </a:rPr>
+                                        <m:t>534</m:t>
                                       </m:r>
                                     </m:e>
                                   </m:mr>
@@ -13363,7 +13358,13 @@
                                         <a:rPr lang="es-ES" sz="2400" b="0" i="1" smtClean="0">
                                           <a:latin typeface="Cambria Math" panose="02040503050406030204" pitchFamily="18" charset="0"/>
                                         </a:rPr>
-                                        <m:t>.035</m:t>
+                                        <m:t>.</m:t>
+                                      </m:r>
+                                      <m:r>
+                                        <a:rPr lang="es-ES" sz="2400" b="0" i="1" smtClean="0">
+                                          <a:latin typeface="Cambria Math" panose="02040503050406030204" pitchFamily="18" charset="0"/>
+                                        </a:rPr>
+                                        <m:t>035</m:t>
                                       </m:r>
                                     </m:e>
                                   </m:mr>
@@ -13442,7 +13443,7 @@
             </p:txBody>
           </p:sp>
         </mc:Choice>
-        <mc:Fallback>
+        <mc:Fallback xmlns="">
           <p:sp>
             <p:nvSpPr>
               <p:cNvPr id="8" name="CuadroTexto 7"/>
